--- a/นิเทศก์/คุ้มครองผู้บริโภค.pptx
+++ b/นิเทศก์/คุ้มครองผู้บริโภค.pptx
@@ -277,12 +277,12 @@
         </c:dLbls>
         <c:gapWidth val="150"/>
         <c:shape val="box"/>
-        <c:axId val="150473728"/>
-        <c:axId val="150483712"/>
+        <c:axId val="134263168"/>
+        <c:axId val="134264704"/>
         <c:axId val="0"/>
       </c:bar3DChart>
       <c:catAx>
-        <c:axId val="150473728"/>
+        <c:axId val="134263168"/>
         <c:scaling>
           <c:orientation val="minMax"/>
         </c:scaling>
@@ -292,7 +292,7 @@
         <c:majorTickMark val="out"/>
         <c:minorTickMark val="none"/>
         <c:tickLblPos val="nextTo"/>
-        <c:crossAx val="150483712"/>
+        <c:crossAx val="134264704"/>
         <c:crosses val="autoZero"/>
         <c:auto val="1"/>
         <c:lblAlgn val="ctr"/>
@@ -300,7 +300,7 @@
         <c:noMultiLvlLbl val="0"/>
       </c:catAx>
       <c:valAx>
-        <c:axId val="150483712"/>
+        <c:axId val="134264704"/>
         <c:scaling>
           <c:orientation val="minMax"/>
         </c:scaling>
@@ -311,7 +311,7 @@
         <c:majorTickMark val="out"/>
         <c:minorTickMark val="none"/>
         <c:tickLblPos val="nextTo"/>
-        <c:crossAx val="150473728"/>
+        <c:crossAx val="134263168"/>
         <c:crosses val="autoZero"/>
         <c:crossBetween val="between"/>
       </c:valAx>
@@ -450,7 +450,7 @@
               <a:pPr>
                 <a:defRPr/>
               </a:pPr>
-              <a:t>2/26/2019</a:t>
+              <a:t>2/27/2019</a:t>
             </a:fld>
             <a:endParaRPr lang="en-US"/>
           </a:p>
@@ -4477,7 +4477,7 @@
               <a:pPr>
                 <a:defRPr/>
               </a:pPr>
-              <a:t>2/26/2019</a:t>
+              <a:t>2/27/2019</a:t>
             </a:fld>
             <a:endParaRPr lang="en-US"/>
           </a:p>
@@ -4767,7 +4767,7 @@
               <a:pPr>
                 <a:defRPr/>
               </a:pPr>
-              <a:t>2/26/2019</a:t>
+              <a:t>2/27/2019</a:t>
             </a:fld>
             <a:endParaRPr lang="en-US"/>
           </a:p>
@@ -4988,7 +4988,7 @@
               <a:pPr>
                 <a:defRPr/>
               </a:pPr>
-              <a:t>2/26/2019</a:t>
+              <a:t>2/27/2019</a:t>
             </a:fld>
             <a:endParaRPr lang="en-US"/>
           </a:p>
@@ -5514,7 +5514,7 @@
               <a:pPr>
                 <a:defRPr/>
               </a:pPr>
-              <a:t>2/26/2019</a:t>
+              <a:t>2/27/2019</a:t>
             </a:fld>
             <a:endParaRPr lang="en-US"/>
           </a:p>
@@ -5735,7 +5735,7 @@
               <a:pPr>
                 <a:defRPr/>
               </a:pPr>
-              <a:t>2/26/2019</a:t>
+              <a:t>2/27/2019</a:t>
             </a:fld>
             <a:endParaRPr lang="en-US"/>
           </a:p>
@@ -6308,7 +6308,7 @@
               <a:pPr>
                 <a:defRPr/>
               </a:pPr>
-              <a:t>2/26/2019</a:t>
+              <a:t>2/27/2019</a:t>
             </a:fld>
             <a:endParaRPr lang="en-US"/>
           </a:p>
@@ -7049,7 +7049,7 @@
               <a:pPr>
                 <a:defRPr/>
               </a:pPr>
-              <a:t>2/26/2019</a:t>
+              <a:t>2/27/2019</a:t>
             </a:fld>
             <a:endParaRPr lang="en-US"/>
           </a:p>
@@ -7246,7 +7246,7 @@
               <a:pPr>
                 <a:defRPr/>
               </a:pPr>
-              <a:t>2/26/2019</a:t>
+              <a:t>2/27/2019</a:t>
             </a:fld>
             <a:endParaRPr lang="en-US"/>
           </a:p>
@@ -7453,7 +7453,7 @@
               <a:pPr>
                 <a:defRPr/>
               </a:pPr>
-              <a:t>2/26/2019</a:t>
+              <a:t>2/27/2019</a:t>
             </a:fld>
             <a:endParaRPr lang="en-US"/>
           </a:p>
@@ -7650,7 +7650,7 @@
               <a:pPr>
                 <a:defRPr/>
               </a:pPr>
-              <a:t>2/26/2019</a:t>
+              <a:t>2/27/2019</a:t>
             </a:fld>
             <a:endParaRPr lang="en-US"/>
           </a:p>
@@ -7925,7 +7925,7 @@
               <a:pPr>
                 <a:defRPr/>
               </a:pPr>
-              <a:t>2/26/2019</a:t>
+              <a:t>2/27/2019</a:t>
             </a:fld>
             <a:endParaRPr lang="en-US"/>
           </a:p>
@@ -8184,7 +8184,7 @@
               <a:pPr>
                 <a:defRPr/>
               </a:pPr>
-              <a:t>2/26/2019</a:t>
+              <a:t>2/27/2019</a:t>
             </a:fld>
             <a:endParaRPr lang="en-US"/>
           </a:p>
@@ -8592,7 +8592,7 @@
               <a:pPr>
                 <a:defRPr/>
               </a:pPr>
-              <a:t>2/26/2019</a:t>
+              <a:t>2/27/2019</a:t>
             </a:fld>
             <a:endParaRPr lang="en-US"/>
           </a:p>
@@ -8737,7 +8737,7 @@
               <a:pPr>
                 <a:defRPr/>
               </a:pPr>
-              <a:t>2/26/2019</a:t>
+              <a:t>2/27/2019</a:t>
             </a:fld>
             <a:endParaRPr lang="en-US"/>
           </a:p>
@@ -8859,7 +8859,7 @@
               <a:pPr>
                 <a:defRPr/>
               </a:pPr>
-              <a:t>2/26/2019</a:t>
+              <a:t>2/27/2019</a:t>
             </a:fld>
             <a:endParaRPr lang="en-US"/>
           </a:p>
@@ -9135,7 +9135,7 @@
               <a:pPr>
                 <a:defRPr/>
               </a:pPr>
-              <a:t>2/26/2019</a:t>
+              <a:t>2/27/2019</a:t>
             </a:fld>
             <a:endParaRPr lang="en-US"/>
           </a:p>
@@ -9445,7 +9445,7 @@
               <a:pPr>
                 <a:defRPr/>
               </a:pPr>
-              <a:t>2/26/2019</a:t>
+              <a:t>2/27/2019</a:t>
             </a:fld>
             <a:endParaRPr lang="en-US"/>
           </a:p>
@@ -12195,7 +12195,7 @@
               <a:pPr>
                 <a:defRPr/>
               </a:pPr>
-              <a:t>2/26/2019</a:t>
+              <a:t>2/27/2019</a:t>
             </a:fld>
             <a:endParaRPr lang="en-US"/>
           </a:p>
@@ -13493,14 +13493,14 @@
           <p:nvPr>
             <p:extLst>
               <p:ext uri="{D42A27DB-BD31-4B8C-83A1-F6EECF244321}">
-                <p14:modId xmlns:p14="http://schemas.microsoft.com/office/powerpoint/2010/main" val="3167155393"/>
+                <p14:modId xmlns:p14="http://schemas.microsoft.com/office/powerpoint/2010/main" val="3811419658"/>
               </p:ext>
             </p:extLst>
           </p:nvPr>
         </p:nvGraphicFramePr>
         <p:xfrm>
           <a:off x="5937325" y="4342092"/>
-          <a:ext cx="6208638" cy="2178794"/>
+          <a:ext cx="6208638" cy="1949100"/>
         </p:xfrm>
         <a:graphic>
           <a:graphicData uri="http://schemas.openxmlformats.org/drawingml/2006/table">
@@ -13530,7 +13530,7 @@
                   </a:extLst>
                 </a:gridCol>
               </a:tblGrid>
-              <a:tr h="647492">
+              <a:tr h="417798">
                 <a:tc>
                   <a:txBody>
                     <a:bodyPr/>
@@ -13739,7 +13739,7 @@
                           <a:ea typeface="Times New Roman" panose="02020603050405020304" pitchFamily="18" charset="0"/>
                           <a:cs typeface="Angsana New" panose="02020603050405020304" pitchFamily="18" charset="-34"/>
                         </a:rPr>
-                        <a:t>ขั้น </a:t>
+                        <a:t>  ขั้น </a:t>
                       </a:r>
                       <a:r>
                         <a:rPr lang="en-US" sz="2000" b="1" baseline="0" dirty="0" smtClean="0">
@@ -13748,7 +13748,25 @@
                           <a:ea typeface="Times New Roman" panose="02020603050405020304" pitchFamily="18" charset="0"/>
                           <a:cs typeface="Angsana New" panose="02020603050405020304" pitchFamily="18" charset="-34"/>
                         </a:rPr>
-                        <a:t>2  1</a:t>
+                        <a:t>2  5 </a:t>
+                      </a:r>
+                      <a:r>
+                        <a:rPr lang="th-TH" sz="2000" b="1" baseline="0" dirty="0" smtClean="0">
+                          <a:effectLst/>
+                          <a:latin typeface="Angsana New" panose="02020603050405020304" pitchFamily="18" charset="-34"/>
+                          <a:ea typeface="Times New Roman" panose="02020603050405020304" pitchFamily="18" charset="0"/>
+                          <a:cs typeface="Angsana New" panose="02020603050405020304" pitchFamily="18" charset="-34"/>
+                        </a:rPr>
+                        <a:t>ขั้น  </a:t>
+                      </a:r>
+                      <a:r>
+                        <a:rPr lang="en-US" sz="2000" b="1" baseline="0" dirty="0" smtClean="0">
+                          <a:effectLst/>
+                          <a:latin typeface="Angsana New" panose="02020603050405020304" pitchFamily="18" charset="-34"/>
+                          <a:ea typeface="Times New Roman" panose="02020603050405020304" pitchFamily="18" charset="0"/>
+                          <a:cs typeface="Angsana New" panose="02020603050405020304" pitchFamily="18" charset="-34"/>
+                        </a:rPr>
+                        <a:t>1  6</a:t>
                       </a:r>
                       <a:endParaRPr lang="en-US" sz="2000" b="1" dirty="0">
                         <a:effectLst/>
@@ -13815,17 +13833,33 @@
                           <a:latin typeface="Angsana New" panose="02020603050405020304" pitchFamily="18" charset="-34"/>
                           <a:cs typeface="Angsana New" panose="02020603050405020304" pitchFamily="18" charset="-34"/>
                         </a:rPr>
-                        <a:t>3 </a:t>
+                        <a:t>3 36.36% </a:t>
                       </a:r>
+                      <a:endParaRPr lang="th-TH" sz="2000" b="1" baseline="0" smtClean="0">
+                        <a:latin typeface="Angsana New" panose="02020603050405020304" pitchFamily="18" charset="-34"/>
+                        <a:cs typeface="Angsana New" panose="02020603050405020304" pitchFamily="18" charset="-34"/>
+                      </a:endParaRPr>
+                    </a:p>
+                    <a:p>
+                      <a:pPr marL="0" marR="0" indent="0" algn="ctr" defTabSz="914400" rtl="0" eaLnBrk="1" fontAlgn="auto" latinLnBrk="0" hangingPunct="1">
+                        <a:lnSpc>
+                          <a:spcPct val="115000"/>
+                        </a:lnSpc>
+                        <a:spcBef>
+                          <a:spcPts val="0"/>
+                        </a:spcBef>
+                        <a:spcAft>
+                          <a:spcPts val="0"/>
+                        </a:spcAft>
+                        <a:buClrTx/>
+                        <a:buSzTx/>
+                        <a:buFontTx/>
+                        <a:buNone/>
+                        <a:tabLst/>
+                        <a:defRPr/>
+                      </a:pPr>
                       <a:r>
-                        <a:rPr lang="en-US" sz="2000" b="1" baseline="0" dirty="0" smtClean="0">
-                          <a:latin typeface="Angsana New" panose="02020603050405020304" pitchFamily="18" charset="-34"/>
-                          <a:cs typeface="Angsana New" panose="02020603050405020304" pitchFamily="18" charset="-34"/>
-                        </a:rPr>
-                        <a:t>36.36% </a:t>
-                      </a:r>
-                      <a:r>
-                        <a:rPr lang="th-TH" sz="2000" b="1" baseline="0" dirty="0" smtClean="0">
+                        <a:rPr lang="th-TH" sz="2000" b="1" baseline="0" smtClean="0">
                           <a:latin typeface="Angsana New" panose="02020603050405020304" pitchFamily="18" charset="-34"/>
                           <a:cs typeface="Angsana New" panose="02020603050405020304" pitchFamily="18" charset="-34"/>
                         </a:rPr>
@@ -13836,7 +13870,14 @@
                           <a:latin typeface="Angsana New" panose="02020603050405020304" pitchFamily="18" charset="-34"/>
                           <a:cs typeface="Angsana New" panose="02020603050405020304" pitchFamily="18" charset="-34"/>
                         </a:rPr>
-                        <a:t>2 9.09%</a:t>
+                        <a:t>2 </a:t>
+                      </a:r>
+                      <a:r>
+                        <a:rPr lang="en-US" sz="2000" b="1" baseline="0" dirty="0" smtClean="0">
+                          <a:latin typeface="Angsana New" panose="02020603050405020304" pitchFamily="18" charset="-34"/>
+                          <a:cs typeface="Angsana New" panose="02020603050405020304" pitchFamily="18" charset="-34"/>
+                        </a:rPr>
+                        <a:t>45.45%</a:t>
                       </a:r>
                       <a:endParaRPr lang="en-US" sz="2000" b="1" dirty="0">
                         <a:effectLst/>
@@ -15115,7 +15156,7 @@
                 </a:pathLst>
               </a:custGeom>
               <a:solidFill>
-                <a:srgbClr val="FF0000"/>
+                <a:srgbClr val="92D050"/>
               </a:solidFill>
               <a:ln>
                 <a:noFill/>
@@ -15823,7 +15864,7 @@
                 </a:pathLst>
               </a:custGeom>
               <a:solidFill>
-                <a:srgbClr val="FFC000"/>
+                <a:srgbClr val="92D050"/>
               </a:solidFill>
               <a:ln>
                 <a:noFill/>
@@ -16533,7 +16574,7 @@
                 </a:pathLst>
               </a:custGeom>
               <a:solidFill>
-                <a:srgbClr val="FFC000"/>
+                <a:srgbClr val="92D050"/>
               </a:solidFill>
               <a:ln>
                 <a:noFill/>
@@ -17441,7 +17482,7 @@
                 </a:pathLst>
               </a:custGeom>
               <a:solidFill>
-                <a:srgbClr val="FF0000"/>
+                <a:srgbClr val="92D050"/>
               </a:solidFill>
               <a:ln>
                 <a:noFill/>
@@ -18187,7 +18228,7 @@
                 </a:pathLst>
               </a:custGeom>
               <a:solidFill>
-                <a:srgbClr val="FF0000"/>
+                <a:srgbClr val="92D050"/>
               </a:solidFill>
               <a:ln>
                 <a:noFill/>
@@ -19347,7 +19388,7 @@
                 </a:pathLst>
               </a:custGeom>
               <a:solidFill>
-                <a:srgbClr val="FFC000"/>
+                <a:srgbClr val="92D050"/>
               </a:solidFill>
               <a:ln>
                 <a:noFill/>
@@ -19987,7 +20028,7 @@
                 </a:pathLst>
               </a:custGeom>
               <a:solidFill>
-                <a:srgbClr val="00B050"/>
+                <a:srgbClr val="92D050"/>
               </a:solidFill>
               <a:ln>
                 <a:noFill/>
@@ -20841,7 +20882,7 @@
                 </a:pathLst>
               </a:custGeom>
               <a:solidFill>
-                <a:srgbClr val="00B050"/>
+                <a:srgbClr val="92D050"/>
               </a:solidFill>
               <a:ln>
                 <a:noFill/>
@@ -20953,6 +20994,24 @@
                 <a:defRPr/>
               </a:pPr>
               <a:r>
+                <a:rPr lang="th-TH" sz="2000" spc="50" dirty="0">
+                  <a:ln w="11430"/>
+                  <a:solidFill>
+                    <a:schemeClr val="bg1"/>
+                  </a:solidFill>
+                  <a:effectLst>
+                    <a:outerShdw blurRad="76200" dist="50800" dir="5400000" algn="tl" rotWithShape="0">
+                      <a:srgbClr val="000000">
+                        <a:alpha val="65000"/>
+                      </a:srgbClr>
+                    </a:outerShdw>
+                  </a:effectLst>
+                  <a:latin typeface="TH SarabunPSK" pitchFamily="34" charset="-34"/>
+                  <a:cs typeface="TH SarabunPSK" pitchFamily="34" charset="-34"/>
+                </a:rPr>
+                <a:t>ท่า</a:t>
+              </a:r>
+              <a:r>
                 <a:rPr lang="th-TH" sz="2000" b="1" spc="50" dirty="0">
                   <a:ln w="11430"/>
                   <a:solidFill>
@@ -20968,7 +21027,7 @@
                   <a:latin typeface="TH SarabunPSK" pitchFamily="34" charset="-34"/>
                   <a:cs typeface="TH SarabunPSK" pitchFamily="34" charset="-34"/>
                 </a:rPr>
-                <a:t>ท่าแซะ</a:t>
+                <a:t>แซะ</a:t>
               </a:r>
             </a:p>
           </p:txBody>
@@ -21821,7 +21880,7 @@
   <a:extraClrSchemeLst/>
   <a:extLst>
     <a:ext uri="{05A4C25C-085E-4340-85A3-A5531E510DB2}">
-      <thm15:themeFamily xmlns="" xmlns:thm15="http://schemas.microsoft.com/office/thememl/2012/main" name="Circuit" id="{0AC2F7E7-15F5-431C-B2A2-456FE929F56C}" vid="{0911B802-464C-4241-8DD9-B60FF88E379F}"/>
+      <thm15:themeFamily xmlns:thm15="http://schemas.microsoft.com/office/thememl/2012/main" xmlns="" name="Circuit" id="{0AC2F7E7-15F5-431C-B2A2-456FE929F56C}" vid="{0911B802-464C-4241-8DD9-B60FF88E379F}"/>
     </a:ext>
   </a:extLst>
 </a:theme>
@@ -22116,7 +22175,7 @@
   <a:extraClrSchemeLst/>
   <a:extLst>
     <a:ext uri="{05A4C25C-085E-4340-85A3-A5531E510DB2}">
-      <thm15:themeFamily xmlns="" xmlns:thm15="http://schemas.microsoft.com/office/thememl/2012/main" name="Office Theme" id="{62F939B6-93AF-4DB8-9C6B-D6C7DFDC589F}" vid="{4A3C46E8-61CC-4603-A589-7422A47A8E4A}"/>
+      <thm15:themeFamily xmlns:thm15="http://schemas.microsoft.com/office/thememl/2012/main" xmlns="" name="Office Theme" id="{62F939B6-93AF-4DB8-9C6B-D6C7DFDC589F}" vid="{4A3C46E8-61CC-4603-A589-7422A47A8E4A}"/>
     </a:ext>
   </a:extLst>
 </a:theme>
